--- a/PowerPoint/08 - Abstract Syntax Trees.pptx
+++ b/PowerPoint/08 - Abstract Syntax Trees.pptx
@@ -22223,7 +22223,7 @@
               <a:rPr lang="en-US" sz="1800" dirty="0">
                 <a:latin typeface="Consolas" panose="020B0609020204030204" pitchFamily="49" charset="0"/>
               </a:rPr>
-              <a:t>     * Initialize the type of the expression to Boolean.</a:t>
+              <a:t>     * Initialize the type of the expression to Integer.</a:t>
             </a:r>
           </a:p>
           <a:p>
@@ -22300,7 +22300,7 @@
               <a:rPr lang="en-US" sz="1800" b="1" dirty="0" err="1">
                 <a:latin typeface="Consolas" panose="020B0609020204030204" pitchFamily="49" charset="0"/>
               </a:rPr>
-              <a:t>Type.Boolean</a:t>
+              <a:t>Type.Integer</a:t>
             </a:r>
             <a:endParaRPr lang="en-US" sz="1800" b="1" dirty="0">
               <a:latin typeface="Consolas" panose="020B0609020204030204" pitchFamily="49" charset="0"/>
@@ -25497,22 +25497,18 @@
           <a:p>
             <a:r>
               <a:rPr lang="en-US" dirty="0"/>
-              <a:t>Use class </a:t>
+              <a:t>Use c</a:t>
             </a:r>
             <a:r>
               <a:rPr lang="en-US" dirty="0">
-                <a:latin typeface="Consolas" pitchFamily="49" charset="0"/>
                 <a:cs typeface="Consolas" pitchFamily="49" charset="0"/>
               </a:rPr>
-              <a:t>Context</a:t>
-            </a:r>
-            <a:r>
-              <a:rPr lang="en-US" dirty="0"/>
-              <a:t> to check exit and return statements.</a:t>
-            </a:r>
-          </a:p>
-          <a:p>
-            <a:endParaRPr lang="en-US" dirty="0"/>
+              <a:t>ontext</a:t>
+            </a:r>
+            <a:r>
+              <a:rPr lang="en-US" dirty="0"/>
+              <a:t> classes to check exit and return statements.</a:t>
+            </a:r>
           </a:p>
         </p:txBody>
       </p:sp>
